--- a/Slides/Lecture10 - Apps and XAML, UWP and Xamarin.Forms.pptx
+++ b/Slides/Lecture10 - Apps and XAML, UWP and Xamarin.Forms.pptx
@@ -6,10 +6,10 @@
     <p:sldMasterId id="2147484675" r:id="rId5"/>
   </p:sldMasterIdLst>
   <p:notesMasterIdLst>
-    <p:notesMasterId r:id="rId26"/>
+    <p:notesMasterId r:id="rId27"/>
   </p:notesMasterIdLst>
   <p:handoutMasterIdLst>
-    <p:handoutMasterId r:id="rId27"/>
+    <p:handoutMasterId r:id="rId28"/>
   </p:handoutMasterIdLst>
   <p:sldIdLst>
     <p:sldId id="1663" r:id="rId6"/>
@@ -30,8 +30,9 @@
     <p:sldId id="1741" r:id="rId21"/>
     <p:sldId id="1742" r:id="rId22"/>
     <p:sldId id="1739" r:id="rId23"/>
-    <p:sldId id="1743" r:id="rId24"/>
-    <p:sldId id="1736" r:id="rId25"/>
+    <p:sldId id="1744" r:id="rId24"/>
+    <p:sldId id="1745" r:id="rId25"/>
+    <p:sldId id="1743" r:id="rId26"/>
   </p:sldIdLst>
   <p:sldSz cx="12192000" cy="6858000"/>
   <p:notesSz cx="6858000" cy="9144000"/>
@@ -153,8 +154,9 @@
             <p14:sldId id="1741"/>
             <p14:sldId id="1742"/>
             <p14:sldId id="1739"/>
+            <p14:sldId id="1744"/>
+            <p14:sldId id="1745"/>
             <p14:sldId id="1743"/>
-            <p14:sldId id="1736"/>
           </p14:sldIdLst>
         </p14:section>
       </p14:sectionLst>
@@ -294,7 +296,7 @@
               <a:rPr lang="en-US" smtClean="0">
                 <a:latin typeface="Segoe UI" pitchFamily="34" charset="0"/>
               </a:rPr>
-              <a:t>11/18/2019 2:47 PM</a:t>
+              <a:t>11/22/2019 8:08 AM</a:t>
             </a:fld>
             <a:endParaRPr lang="en-US" dirty="0">
               <a:latin typeface="Segoe UI" pitchFamily="34" charset="0"/>
@@ -572,7 +574,7 @@
           <a:p>
             <a:fld id="{386CE63F-9E7F-4C04-9D0D-FCA25A8E9E86}" type="datetime8">
               <a:rPr lang="en-US" smtClean="0"/>
-              <a:t>11/18/2019 2:47 PM</a:t>
+              <a:t>11/22/2019 8:08 AM</a:t>
             </a:fld>
             <a:endParaRPr lang="en-US" dirty="0"/>
           </a:p>
@@ -939,7 +941,7 @@
           <a:p>
             <a:fld id="{321E5A7B-BB8D-4368-A182-109669521632}" type="datetime8">
               <a:rPr lang="en-US" smtClean="0"/>
-              <a:t>11/18/2019 2:47 PM</a:t>
+              <a:t>11/22/2019 8:08 AM</a:t>
             </a:fld>
             <a:endParaRPr lang="en-US" dirty="0"/>
           </a:p>
@@ -21976,13 +21978,13 @@
   <p:clrMapOvr>
     <a:masterClrMapping/>
   </p:clrMapOvr>
-  <mc:AlternateContent xmlns:mc="http://schemas.openxmlformats.org/markup-compatibility/2006">
-    <mc:Choice xmlns:p14="http://schemas.microsoft.com/office/powerpoint/2010/main" Requires="p14">
+  <mc:AlternateContent xmlns:mc="http://schemas.openxmlformats.org/markup-compatibility/2006" xmlns:p14="http://schemas.microsoft.com/office/powerpoint/2010/main">
+    <mc:Choice Requires="p14">
       <p:transition spd="med" p14:dur="700">
         <p:fade/>
       </p:transition>
     </mc:Choice>
-    <mc:Fallback>
+    <mc:Fallback xmlns="">
       <p:transition spd="med">
         <p:fade/>
       </p:transition>
@@ -22037,7 +22039,15 @@
           <a:bodyPr/>
           <a:lstStyle/>
           <a:p>
-            <a:endParaRPr lang="LID4096"/>
+            <a:r>
+              <a:rPr lang="da-DK" dirty="0"/>
+              <a:t>MVVM </a:t>
+            </a:r>
+            <a:r>
+              <a:rPr lang="da-DK" dirty="0" err="1"/>
+              <a:t>concepts</a:t>
+            </a:r>
+            <a:endParaRPr lang="LID4096" dirty="0"/>
           </a:p>
         </p:txBody>
       </p:sp>
@@ -22098,10 +22108,14 @@
               <a:t> should ALWAYS implement </a:t>
             </a:r>
             <a:r>
-              <a:rPr lang="en-US" dirty="0" err="1"/>
+              <a:rPr lang="en-US" dirty="0" err="1">
+                <a:latin typeface="Consolas" panose="020B0609020204030204" pitchFamily="49" charset="0"/>
+              </a:rPr>
               <a:t>INotifyPropertyChanged</a:t>
             </a:r>
-            <a:endParaRPr lang="en-US" dirty="0"/>
+            <a:endParaRPr lang="en-US" dirty="0">
+              <a:latin typeface="Consolas" panose="020B0609020204030204" pitchFamily="49" charset="0"/>
+            </a:endParaRPr>
           </a:p>
           <a:p>
             <a:endParaRPr lang="en-US" dirty="0"/>
@@ -22139,6 +22153,696 @@
 </file>
 
 <file path=ppt/slides/slide19.xml><?xml version="1.0" encoding="utf-8"?>
+<p:sld xmlns:a="http://schemas.openxmlformats.org/drawingml/2006/main" xmlns:r="http://schemas.openxmlformats.org/officeDocument/2006/relationships" xmlns:p="http://schemas.openxmlformats.org/presentationml/2006/main">
+  <p:cSld>
+    <p:spTree>
+      <p:nvGrpSpPr>
+        <p:cNvPr id="1" name=""/>
+        <p:cNvGrpSpPr/>
+        <p:nvPr/>
+      </p:nvGrpSpPr>
+      <p:grpSpPr>
+        <a:xfrm>
+          <a:off x="0" y="0"/>
+          <a:ext cx="0" cy="0"/>
+          <a:chOff x="0" y="0"/>
+          <a:chExt cx="0" cy="0"/>
+        </a:xfrm>
+      </p:grpSpPr>
+      <p:sp>
+        <p:nvSpPr>
+          <p:cNvPr id="2" name="Title 1">
+            <a:extLst>
+              <a:ext uri="{FF2B5EF4-FFF2-40B4-BE49-F238E27FC236}">
+                <a16:creationId xmlns:a16="http://schemas.microsoft.com/office/drawing/2014/main" id="{2B40FFE1-2BEE-4A25-A74C-45C92FB36D9F}"/>
+              </a:ext>
+            </a:extLst>
+          </p:cNvPr>
+          <p:cNvSpPr>
+            <a:spLocks noGrp="1"/>
+          </p:cNvSpPr>
+          <p:nvPr>
+            <p:ph type="title"/>
+          </p:nvPr>
+        </p:nvSpPr>
+        <p:spPr/>
+        <p:txBody>
+          <a:bodyPr/>
+          <a:lstStyle/>
+          <a:p>
+            <a:r>
+              <a:rPr lang="da-DK" dirty="0"/>
+              <a:t>MVVM Design Patterns</a:t>
+            </a:r>
+            <a:endParaRPr lang="LID4096" dirty="0"/>
+          </a:p>
+        </p:txBody>
+      </p:sp>
+      <p:sp>
+        <p:nvSpPr>
+          <p:cNvPr id="4" name="Text Placeholder 3">
+            <a:extLst>
+              <a:ext uri="{FF2B5EF4-FFF2-40B4-BE49-F238E27FC236}">
+                <a16:creationId xmlns:a16="http://schemas.microsoft.com/office/drawing/2014/main" id="{B4AE2008-FC30-498C-9A5E-D336854BEB4B}"/>
+              </a:ext>
+            </a:extLst>
+          </p:cNvPr>
+          <p:cNvSpPr>
+            <a:spLocks noGrp="1"/>
+          </p:cNvSpPr>
+          <p:nvPr>
+            <p:ph type="body" sz="quarter" idx="10"/>
+          </p:nvPr>
+        </p:nvSpPr>
+        <p:spPr>
+          <a:xfrm>
+            <a:off x="586390" y="1434370"/>
+            <a:ext cx="11018520" cy="3533275"/>
+          </a:xfrm>
+        </p:spPr>
+        <p:txBody>
+          <a:bodyPr/>
+          <a:lstStyle/>
+          <a:p>
+            <a:r>
+              <a:rPr lang="da-DK" dirty="0"/>
+              <a:t>Observer Pattern: </a:t>
+            </a:r>
+          </a:p>
+          <a:p>
+            <a:pPr marL="457200" indent="-457200">
+              <a:buFont typeface="Arial" panose="020B0604020202020204" pitchFamily="34" charset="0"/>
+              <a:buChar char="•"/>
+            </a:pPr>
+            <a:r>
+              <a:rPr lang="da-DK" dirty="0" err="1">
+                <a:latin typeface="Consolas" panose="020B0609020204030204" pitchFamily="49" charset="0"/>
+              </a:rPr>
+              <a:t>INotifyPropertyChanged</a:t>
+            </a:r>
+            <a:endParaRPr lang="da-DK" dirty="0">
+              <a:latin typeface="Consolas" panose="020B0609020204030204" pitchFamily="49" charset="0"/>
+            </a:endParaRPr>
+          </a:p>
+          <a:p>
+            <a:pPr marL="457200" indent="-457200">
+              <a:buFont typeface="Arial" panose="020B0604020202020204" pitchFamily="34" charset="0"/>
+              <a:buChar char="•"/>
+            </a:pPr>
+            <a:r>
+              <a:rPr lang="da-DK" dirty="0" err="1">
+                <a:latin typeface="Consolas" panose="020B0609020204030204" pitchFamily="49" charset="0"/>
+              </a:rPr>
+              <a:t>ObservableCollection</a:t>
+            </a:r>
+            <a:r>
+              <a:rPr lang="da-DK" dirty="0">
+                <a:latin typeface="Consolas" panose="020B0609020204030204" pitchFamily="49" charset="0"/>
+              </a:rPr>
+              <a:t>&lt;T&gt;</a:t>
+            </a:r>
+          </a:p>
+          <a:p>
+            <a:pPr marL="457200" indent="-457200">
+              <a:buFont typeface="Arial" panose="020B0604020202020204" pitchFamily="34" charset="0"/>
+              <a:buChar char="•"/>
+            </a:pPr>
+            <a:r>
+              <a:rPr lang="da-DK" dirty="0" err="1">
+                <a:latin typeface="Consolas" panose="020B0609020204030204" pitchFamily="49" charset="0"/>
+              </a:rPr>
+              <a:t>MessagingCenter</a:t>
+            </a:r>
+            <a:endParaRPr lang="da-DK" dirty="0">
+              <a:latin typeface="Consolas" panose="020B0609020204030204" pitchFamily="49" charset="0"/>
+            </a:endParaRPr>
+          </a:p>
+          <a:p>
+            <a:pPr marL="457200" indent="-457200">
+              <a:buFont typeface="Arial" panose="020B0604020202020204" pitchFamily="34" charset="0"/>
+              <a:buChar char="•"/>
+            </a:pPr>
+            <a:endParaRPr lang="da-DK" dirty="0"/>
+          </a:p>
+          <a:p>
+            <a:r>
+              <a:rPr lang="da-DK" dirty="0"/>
+              <a:t>Command Pattern:</a:t>
+            </a:r>
+          </a:p>
+          <a:p>
+            <a:pPr marL="457200" indent="-457200">
+              <a:buFont typeface="Arial" panose="020B0604020202020204" pitchFamily="34" charset="0"/>
+              <a:buChar char="•"/>
+            </a:pPr>
+            <a:r>
+              <a:rPr lang="da-DK" dirty="0" err="1">
+                <a:latin typeface="Consolas" panose="020B0609020204030204" pitchFamily="49" charset="0"/>
+              </a:rPr>
+              <a:t>ICommand</a:t>
+            </a:r>
+            <a:endParaRPr lang="LID4096" dirty="0">
+              <a:latin typeface="Consolas" panose="020B0609020204030204" pitchFamily="49" charset="0"/>
+            </a:endParaRPr>
+          </a:p>
+        </p:txBody>
+      </p:sp>
+    </p:spTree>
+    <p:extLst>
+      <p:ext uri="{BB962C8B-B14F-4D97-AF65-F5344CB8AC3E}">
+        <p14:creationId xmlns:p14="http://schemas.microsoft.com/office/powerpoint/2010/main" val="1722818181"/>
+      </p:ext>
+    </p:extLst>
+  </p:cSld>
+  <p:clrMapOvr>
+    <a:masterClrMapping/>
+  </p:clrMapOvr>
+  <p:transition>
+    <p:fade/>
+  </p:transition>
+</p:sld>
+</file>
+
+<file path=ppt/slides/slide2.xml><?xml version="1.0" encoding="utf-8"?>
+<p:sld xmlns:a="http://schemas.openxmlformats.org/drawingml/2006/main" xmlns:r="http://schemas.openxmlformats.org/officeDocument/2006/relationships" xmlns:p="http://schemas.openxmlformats.org/presentationml/2006/main">
+  <p:cSld>
+    <p:spTree>
+      <p:nvGrpSpPr>
+        <p:cNvPr id="1" name=""/>
+        <p:cNvGrpSpPr/>
+        <p:nvPr/>
+      </p:nvGrpSpPr>
+      <p:grpSpPr>
+        <a:xfrm>
+          <a:off x="0" y="0"/>
+          <a:ext cx="0" cy="0"/>
+          <a:chOff x="0" y="0"/>
+          <a:chExt cx="0" cy="0"/>
+        </a:xfrm>
+      </p:grpSpPr>
+      <p:sp>
+        <p:nvSpPr>
+          <p:cNvPr id="2" name="Title 1">
+            <a:extLst>
+              <a:ext uri="{FF2B5EF4-FFF2-40B4-BE49-F238E27FC236}">
+                <a16:creationId xmlns:a16="http://schemas.microsoft.com/office/drawing/2014/main" id="{75B1C9D2-940D-40CB-8E56-B152A13E3959}"/>
+              </a:ext>
+            </a:extLst>
+          </p:cNvPr>
+          <p:cNvSpPr>
+            <a:spLocks noGrp="1"/>
+          </p:cNvSpPr>
+          <p:nvPr>
+            <p:ph type="title"/>
+          </p:nvPr>
+        </p:nvSpPr>
+        <p:spPr/>
+        <p:txBody>
+          <a:bodyPr/>
+          <a:lstStyle/>
+          <a:p>
+            <a:r>
+              <a:rPr lang="en-US" dirty="0"/>
+              <a:t>Agenda</a:t>
+            </a:r>
+          </a:p>
+        </p:txBody>
+      </p:sp>
+      <p:sp>
+        <p:nvSpPr>
+          <p:cNvPr id="5" name="Text Placeholder 4">
+            <a:extLst>
+              <a:ext uri="{FF2B5EF4-FFF2-40B4-BE49-F238E27FC236}">
+                <a16:creationId xmlns:a16="http://schemas.microsoft.com/office/drawing/2014/main" id="{87962EF8-1FD7-45D4-AC54-1C6EF1F5A58F}"/>
+              </a:ext>
+            </a:extLst>
+          </p:cNvPr>
+          <p:cNvSpPr>
+            <a:spLocks noGrp="1"/>
+          </p:cNvSpPr>
+          <p:nvPr>
+            <p:ph type="body" sz="quarter" idx="10"/>
+          </p:nvPr>
+        </p:nvSpPr>
+        <p:spPr>
+          <a:xfrm>
+            <a:off x="586390" y="1434370"/>
+            <a:ext cx="11018520" cy="2763577"/>
+          </a:xfrm>
+        </p:spPr>
+        <p:txBody>
+          <a:bodyPr/>
+          <a:lstStyle/>
+          <a:p>
+            <a:pPr>
+              <a:lnSpc>
+                <a:spcPct val="150000"/>
+              </a:lnSpc>
+            </a:pPr>
+            <a:r>
+              <a:rPr lang="en-US" dirty="0"/>
+              <a:t>XAML</a:t>
+            </a:r>
+          </a:p>
+          <a:p>
+            <a:pPr>
+              <a:lnSpc>
+                <a:spcPct val="150000"/>
+              </a:lnSpc>
+            </a:pPr>
+            <a:r>
+              <a:rPr lang="en-US" dirty="0"/>
+              <a:t>Universal Windows Platform (UWP)</a:t>
+            </a:r>
+          </a:p>
+          <a:p>
+            <a:pPr>
+              <a:lnSpc>
+                <a:spcPct val="150000"/>
+              </a:lnSpc>
+            </a:pPr>
+            <a:r>
+              <a:rPr lang="en-US" dirty="0" err="1"/>
+              <a:t>Xamarin.Forms</a:t>
+            </a:r>
+            <a:endParaRPr lang="en-US" dirty="0"/>
+          </a:p>
+          <a:p>
+            <a:pPr>
+              <a:lnSpc>
+                <a:spcPct val="150000"/>
+              </a:lnSpc>
+            </a:pPr>
+            <a:r>
+              <a:rPr lang="en-US" dirty="0"/>
+              <a:t>MVVM</a:t>
+            </a:r>
+          </a:p>
+        </p:txBody>
+      </p:sp>
+    </p:spTree>
+    <p:extLst>
+      <p:ext uri="{BB962C8B-B14F-4D97-AF65-F5344CB8AC3E}">
+        <p14:creationId xmlns:p14="http://schemas.microsoft.com/office/powerpoint/2010/main" val="3200594698"/>
+      </p:ext>
+    </p:extLst>
+  </p:cSld>
+  <p:clrMapOvr>
+    <a:masterClrMapping/>
+  </p:clrMapOvr>
+  <p:transition>
+    <p:fade/>
+  </p:transition>
+</p:sld>
+</file>
+
+<file path=ppt/slides/slide20.xml><?xml version="1.0" encoding="utf-8"?>
+<p:sld xmlns:a="http://schemas.openxmlformats.org/drawingml/2006/main" xmlns:r="http://schemas.openxmlformats.org/officeDocument/2006/relationships" xmlns:p="http://schemas.openxmlformats.org/presentationml/2006/main">
+  <p:cSld>
+    <p:spTree>
+      <p:nvGrpSpPr>
+        <p:cNvPr id="1" name=""/>
+        <p:cNvGrpSpPr/>
+        <p:nvPr/>
+      </p:nvGrpSpPr>
+      <p:grpSpPr>
+        <a:xfrm>
+          <a:off x="0" y="0"/>
+          <a:ext cx="0" cy="0"/>
+          <a:chOff x="0" y="0"/>
+          <a:chExt cx="0" cy="0"/>
+        </a:xfrm>
+      </p:grpSpPr>
+      <p:sp>
+        <p:nvSpPr>
+          <p:cNvPr id="2" name="Title 1">
+            <a:extLst>
+              <a:ext uri="{FF2B5EF4-FFF2-40B4-BE49-F238E27FC236}">
+                <a16:creationId xmlns:a16="http://schemas.microsoft.com/office/drawing/2014/main" id="{68F469B9-2C9A-41B1-A54C-5B410862EF02}"/>
+              </a:ext>
+            </a:extLst>
+          </p:cNvPr>
+          <p:cNvSpPr>
+            <a:spLocks noGrp="1"/>
+          </p:cNvSpPr>
+          <p:nvPr>
+            <p:ph type="title"/>
+          </p:nvPr>
+        </p:nvSpPr>
+        <p:spPr/>
+        <p:txBody>
+          <a:bodyPr/>
+          <a:lstStyle/>
+          <a:p>
+            <a:r>
+              <a:rPr lang="da-DK" dirty="0" err="1"/>
+              <a:t>Xamarin.Forms</a:t>
+            </a:r>
+            <a:r>
+              <a:rPr lang="da-DK" dirty="0"/>
+              <a:t> / UWP </a:t>
+            </a:r>
+            <a:r>
+              <a:rPr lang="da-DK" dirty="0" err="1"/>
+              <a:t>gotchas</a:t>
+            </a:r>
+            <a:endParaRPr lang="LID4096" dirty="0"/>
+          </a:p>
+        </p:txBody>
+      </p:sp>
+      <p:sp>
+        <p:nvSpPr>
+          <p:cNvPr id="3" name="Text Placeholder 2">
+            <a:extLst>
+              <a:ext uri="{FF2B5EF4-FFF2-40B4-BE49-F238E27FC236}">
+                <a16:creationId xmlns:a16="http://schemas.microsoft.com/office/drawing/2014/main" id="{E6488D89-36F5-4B93-B16E-C2FA66AF3F49}"/>
+              </a:ext>
+            </a:extLst>
+          </p:cNvPr>
+          <p:cNvSpPr>
+            <a:spLocks noGrp="1"/>
+          </p:cNvSpPr>
+          <p:nvPr>
+            <p:ph type="body" sz="quarter" idx="10"/>
+          </p:nvPr>
+        </p:nvSpPr>
+        <p:spPr>
+          <a:xfrm>
+            <a:off x="586390" y="1434370"/>
+            <a:ext cx="11018520" cy="4875181"/>
+          </a:xfrm>
+        </p:spPr>
+        <p:txBody>
+          <a:bodyPr/>
+          <a:lstStyle/>
+          <a:p>
+            <a:r>
+              <a:rPr lang="da-DK" sz="2400" dirty="0"/>
+              <a:t>Mobile app must </a:t>
+            </a:r>
+            <a:r>
+              <a:rPr lang="da-DK" sz="2400" dirty="0" err="1"/>
+              <a:t>be</a:t>
+            </a:r>
+            <a:r>
+              <a:rPr lang="da-DK" sz="2400" dirty="0"/>
+              <a:t> set to </a:t>
+            </a:r>
+            <a:r>
+              <a:rPr lang="da-DK" sz="2400" i="1" dirty="0" err="1"/>
+              <a:t>Build</a:t>
+            </a:r>
+            <a:r>
+              <a:rPr lang="da-DK" sz="2400" dirty="0"/>
+              <a:t> and </a:t>
+            </a:r>
+            <a:r>
+              <a:rPr lang="da-DK" sz="2400" i="1" dirty="0" err="1"/>
+              <a:t>Deploy</a:t>
+            </a:r>
+            <a:r>
+              <a:rPr lang="da-DK" sz="2400" dirty="0"/>
+              <a:t> in </a:t>
+            </a:r>
+            <a:r>
+              <a:rPr lang="da-DK" sz="2400" i="1" dirty="0"/>
+              <a:t>solution </a:t>
+            </a:r>
+            <a:r>
+              <a:rPr lang="da-DK" sz="2400" i="1" dirty="0" err="1"/>
+              <a:t>configuration</a:t>
+            </a:r>
+            <a:endParaRPr lang="da-DK" sz="2400" i="1" dirty="0"/>
+          </a:p>
+          <a:p>
+            <a:endParaRPr lang="da-DK" sz="2400" i="1" dirty="0"/>
+          </a:p>
+          <a:p>
+            <a:r>
+              <a:rPr lang="da-DK" sz="2400" dirty="0"/>
+              <a:t>If API and mobile app in same </a:t>
+            </a:r>
+            <a:r>
+              <a:rPr lang="da-DK" sz="2400" dirty="0" err="1"/>
+              <a:t>project</a:t>
+            </a:r>
+            <a:r>
+              <a:rPr lang="da-DK" sz="2400" dirty="0"/>
+              <a:t>: </a:t>
+            </a:r>
+            <a:r>
+              <a:rPr lang="da-DK" sz="2400" dirty="0" err="1"/>
+              <a:t>Use</a:t>
+            </a:r>
+            <a:r>
+              <a:rPr lang="da-DK" sz="2400" dirty="0"/>
+              <a:t> multiple startup </a:t>
+            </a:r>
+            <a:r>
+              <a:rPr lang="da-DK" sz="2400" dirty="0" err="1"/>
+              <a:t>projects</a:t>
+            </a:r>
+            <a:endParaRPr lang="da-DK" sz="2400" dirty="0"/>
+          </a:p>
+          <a:p>
+            <a:endParaRPr lang="da-DK" sz="2400" dirty="0"/>
+          </a:p>
+          <a:p>
+            <a:r>
+              <a:rPr lang="da-DK" sz="2400" dirty="0"/>
+              <a:t>HTTPS not </a:t>
+            </a:r>
+            <a:r>
+              <a:rPr lang="da-DK" sz="2400" dirty="0" err="1"/>
+              <a:t>possible</a:t>
+            </a:r>
+            <a:r>
+              <a:rPr lang="da-DK" sz="2400" dirty="0"/>
+              <a:t> for </a:t>
+            </a:r>
+            <a:r>
+              <a:rPr lang="da-DK" sz="2400" i="1" dirty="0" err="1"/>
+              <a:t>localhost</a:t>
+            </a:r>
+            <a:r>
+              <a:rPr lang="da-DK" sz="2400" dirty="0"/>
+              <a:t>:</a:t>
+            </a:r>
+          </a:p>
+          <a:p>
+            <a:r>
+              <a:rPr lang="da-DK" sz="2400" dirty="0"/>
+              <a:t>Manifest: </a:t>
+            </a:r>
+            <a:r>
+              <a:rPr lang="da-DK" sz="1800" dirty="0">
+                <a:latin typeface="Consolas" panose="020B0609020204030204" pitchFamily="49" charset="0"/>
+              </a:rPr>
+              <a:t>&lt;</a:t>
+            </a:r>
+            <a:r>
+              <a:rPr lang="da-DK" sz="1800" dirty="0" err="1">
+                <a:latin typeface="Consolas" panose="020B0609020204030204" pitchFamily="49" charset="0"/>
+              </a:rPr>
+              <a:t>application</a:t>
+            </a:r>
+            <a:r>
+              <a:rPr lang="da-DK" sz="1800" dirty="0">
+                <a:latin typeface="Consolas" panose="020B0609020204030204" pitchFamily="49" charset="0"/>
+              </a:rPr>
+              <a:t> </a:t>
+            </a:r>
+            <a:r>
+              <a:rPr lang="da-DK" sz="1800" dirty="0" err="1">
+                <a:latin typeface="Consolas" panose="020B0609020204030204" pitchFamily="49" charset="0"/>
+              </a:rPr>
+              <a:t>android:usesCleartextTraffic</a:t>
+            </a:r>
+            <a:r>
+              <a:rPr lang="da-DK" sz="1800" dirty="0">
+                <a:latin typeface="Consolas" panose="020B0609020204030204" pitchFamily="49" charset="0"/>
+              </a:rPr>
+              <a:t>="true"&gt;&lt;/</a:t>
+            </a:r>
+            <a:r>
+              <a:rPr lang="da-DK" sz="1800" dirty="0" err="1">
+                <a:latin typeface="Consolas" panose="020B0609020204030204" pitchFamily="49" charset="0"/>
+              </a:rPr>
+              <a:t>application</a:t>
+            </a:r>
+            <a:r>
+              <a:rPr lang="da-DK" sz="1800" dirty="0">
+                <a:latin typeface="Consolas" panose="020B0609020204030204" pitchFamily="49" charset="0"/>
+              </a:rPr>
+              <a:t>&gt;</a:t>
+            </a:r>
+          </a:p>
+          <a:p>
+            <a:endParaRPr lang="da-DK" sz="2000" dirty="0"/>
+          </a:p>
+          <a:p>
+            <a:r>
+              <a:rPr lang="da-DK" sz="2400" dirty="0" err="1"/>
+              <a:t>Move</a:t>
+            </a:r>
+            <a:r>
+              <a:rPr lang="da-DK" sz="2000" dirty="0"/>
+              <a:t> </a:t>
+            </a:r>
+            <a:r>
+              <a:rPr lang="da-DK" sz="1800" dirty="0" err="1">
+                <a:latin typeface="Consolas" panose="020B0609020204030204" pitchFamily="49" charset="0"/>
+              </a:rPr>
+              <a:t>app.UseHttpsRedirection</a:t>
+            </a:r>
+            <a:r>
+              <a:rPr lang="da-DK" sz="1800" dirty="0">
+                <a:latin typeface="Consolas" panose="020B0609020204030204" pitchFamily="49" charset="0"/>
+              </a:rPr>
+              <a:t>();</a:t>
+            </a:r>
+            <a:r>
+              <a:rPr lang="da-DK" sz="2000" dirty="0"/>
+              <a:t> </a:t>
+            </a:r>
+            <a:r>
+              <a:rPr lang="da-DK" sz="2400" dirty="0"/>
+              <a:t>to </a:t>
+            </a:r>
+            <a:r>
+              <a:rPr lang="da-DK" sz="2400" i="1" dirty="0" err="1"/>
+              <a:t>prod</a:t>
+            </a:r>
+            <a:r>
+              <a:rPr lang="da-DK" sz="2400" dirty="0"/>
+              <a:t>.</a:t>
+            </a:r>
+          </a:p>
+          <a:p>
+            <a:endParaRPr lang="da-DK" sz="2000" dirty="0"/>
+          </a:p>
+          <a:p>
+            <a:r>
+              <a:rPr lang="da-DK" sz="2000" dirty="0"/>
+              <a:t>Run Web API with </a:t>
+            </a:r>
+            <a:r>
+              <a:rPr lang="da-DK" sz="2000" i="1" dirty="0" err="1"/>
+              <a:t>kestrel</a:t>
+            </a:r>
+            <a:r>
+              <a:rPr lang="da-DK" sz="2000" dirty="0"/>
+              <a:t>.</a:t>
+            </a:r>
+          </a:p>
+          <a:p>
+            <a:endParaRPr lang="da-DK" sz="2000" dirty="0"/>
+          </a:p>
+          <a:p>
+            <a:r>
+              <a:rPr lang="da-DK" sz="2000" dirty="0" err="1"/>
+              <a:t>Don’t</a:t>
+            </a:r>
+            <a:r>
+              <a:rPr lang="da-DK" sz="2000" dirty="0"/>
+              <a:t> </a:t>
+            </a:r>
+            <a:r>
+              <a:rPr lang="da-DK" sz="1800" dirty="0" err="1">
+                <a:latin typeface="Consolas" panose="020B0609020204030204" pitchFamily="49" charset="0"/>
+              </a:rPr>
+              <a:t>try</a:t>
+            </a:r>
+            <a:r>
+              <a:rPr lang="da-DK" sz="2000" dirty="0"/>
+              <a:t>/</a:t>
+            </a:r>
+            <a:r>
+              <a:rPr lang="da-DK" sz="1800" dirty="0" err="1">
+                <a:latin typeface="Consolas" panose="020B0609020204030204" pitchFamily="49" charset="0"/>
+              </a:rPr>
+              <a:t>catch</a:t>
+            </a:r>
+            <a:r>
+              <a:rPr lang="da-DK" sz="2000" dirty="0"/>
+              <a:t> </a:t>
+            </a:r>
+            <a:r>
+              <a:rPr lang="da-DK" sz="2000" dirty="0" err="1"/>
+              <a:t>until</a:t>
+            </a:r>
+            <a:r>
+              <a:rPr lang="da-DK" sz="2000" dirty="0"/>
+              <a:t> </a:t>
+            </a:r>
+            <a:r>
+              <a:rPr lang="da-DK" sz="2000" dirty="0" err="1"/>
+              <a:t>you</a:t>
+            </a:r>
+            <a:r>
+              <a:rPr lang="da-DK" sz="2000" dirty="0"/>
+              <a:t> </a:t>
+            </a:r>
+            <a:r>
+              <a:rPr lang="da-DK" sz="2000" dirty="0" err="1"/>
+              <a:t>know</a:t>
+            </a:r>
+            <a:r>
+              <a:rPr lang="da-DK" sz="2000" dirty="0"/>
+              <a:t> </a:t>
+            </a:r>
+            <a:r>
+              <a:rPr lang="da-DK" sz="2000" dirty="0" err="1"/>
+              <a:t>what</a:t>
+            </a:r>
+            <a:r>
+              <a:rPr lang="da-DK" sz="2000" dirty="0"/>
+              <a:t> </a:t>
+            </a:r>
+            <a:r>
+              <a:rPr lang="da-DK" sz="2000" dirty="0" err="1"/>
+              <a:t>errors</a:t>
+            </a:r>
+            <a:r>
+              <a:rPr lang="da-DK" sz="2000" dirty="0"/>
+              <a:t> </a:t>
+            </a:r>
+            <a:r>
+              <a:rPr lang="da-DK" sz="2000" dirty="0" err="1"/>
+              <a:t>you</a:t>
+            </a:r>
+            <a:r>
+              <a:rPr lang="da-DK" sz="2000" dirty="0"/>
+              <a:t> </a:t>
+            </a:r>
+            <a:r>
+              <a:rPr lang="da-DK" sz="2000" dirty="0" err="1"/>
+              <a:t>want</a:t>
+            </a:r>
+            <a:r>
+              <a:rPr lang="da-DK" sz="2000" dirty="0"/>
+              <a:t> to handle!</a:t>
+            </a:r>
+          </a:p>
+        </p:txBody>
+      </p:sp>
+    </p:spTree>
+    <p:extLst>
+      <p:ext uri="{BB962C8B-B14F-4D97-AF65-F5344CB8AC3E}">
+        <p14:creationId xmlns:p14="http://schemas.microsoft.com/office/powerpoint/2010/main" val="2176073106"/>
+      </p:ext>
+    </p:extLst>
+  </p:cSld>
+  <p:clrMapOvr>
+    <a:masterClrMapping/>
+  </p:clrMapOvr>
+  <p:transition>
+    <p:fade/>
+  </p:transition>
+</p:sld>
+</file>
+
+<file path=ppt/slides/slide21.xml><?xml version="1.0" encoding="utf-8"?>
 <p:sld xmlns:a="http://schemas.openxmlformats.org/drawingml/2006/main" xmlns:r="http://schemas.openxmlformats.org/officeDocument/2006/relationships" xmlns:p="http://schemas.openxmlformats.org/presentationml/2006/main">
   <p:cSld>
     <p:bg>
@@ -22601,229 +23305,6 @@
       </p:par>
     </p:tnLst>
   </p:timing>
-</p:sld>
-</file>
-
-<file path=ppt/slides/slide2.xml><?xml version="1.0" encoding="utf-8"?>
-<p:sld xmlns:a="http://schemas.openxmlformats.org/drawingml/2006/main" xmlns:r="http://schemas.openxmlformats.org/officeDocument/2006/relationships" xmlns:p="http://schemas.openxmlformats.org/presentationml/2006/main">
-  <p:cSld>
-    <p:spTree>
-      <p:nvGrpSpPr>
-        <p:cNvPr id="1" name=""/>
-        <p:cNvGrpSpPr/>
-        <p:nvPr/>
-      </p:nvGrpSpPr>
-      <p:grpSpPr>
-        <a:xfrm>
-          <a:off x="0" y="0"/>
-          <a:ext cx="0" cy="0"/>
-          <a:chOff x="0" y="0"/>
-          <a:chExt cx="0" cy="0"/>
-        </a:xfrm>
-      </p:grpSpPr>
-      <p:sp>
-        <p:nvSpPr>
-          <p:cNvPr id="2" name="Title 1">
-            <a:extLst>
-              <a:ext uri="{FF2B5EF4-FFF2-40B4-BE49-F238E27FC236}">
-                <a16:creationId xmlns:a16="http://schemas.microsoft.com/office/drawing/2014/main" id="{75B1C9D2-940D-40CB-8E56-B152A13E3959}"/>
-              </a:ext>
-            </a:extLst>
-          </p:cNvPr>
-          <p:cNvSpPr>
-            <a:spLocks noGrp="1"/>
-          </p:cNvSpPr>
-          <p:nvPr>
-            <p:ph type="title"/>
-          </p:nvPr>
-        </p:nvSpPr>
-        <p:spPr/>
-        <p:txBody>
-          <a:bodyPr/>
-          <a:lstStyle/>
-          <a:p>
-            <a:r>
-              <a:rPr lang="en-US" dirty="0"/>
-              <a:t>Agenda</a:t>
-            </a:r>
-          </a:p>
-        </p:txBody>
-      </p:sp>
-      <p:sp>
-        <p:nvSpPr>
-          <p:cNvPr id="5" name="Text Placeholder 4">
-            <a:extLst>
-              <a:ext uri="{FF2B5EF4-FFF2-40B4-BE49-F238E27FC236}">
-                <a16:creationId xmlns:a16="http://schemas.microsoft.com/office/drawing/2014/main" id="{87962EF8-1FD7-45D4-AC54-1C6EF1F5A58F}"/>
-              </a:ext>
-            </a:extLst>
-          </p:cNvPr>
-          <p:cNvSpPr>
-            <a:spLocks noGrp="1"/>
-          </p:cNvSpPr>
-          <p:nvPr>
-            <p:ph type="body" sz="quarter" idx="10"/>
-          </p:nvPr>
-        </p:nvSpPr>
-        <p:spPr>
-          <a:xfrm>
-            <a:off x="586390" y="1434370"/>
-            <a:ext cx="11018520" cy="3496085"/>
-          </a:xfrm>
-        </p:spPr>
-        <p:txBody>
-          <a:bodyPr/>
-          <a:lstStyle/>
-          <a:p>
-            <a:pPr>
-              <a:lnSpc>
-                <a:spcPct val="150000"/>
-              </a:lnSpc>
-            </a:pPr>
-            <a:r>
-              <a:rPr lang="en-US" dirty="0"/>
-              <a:t>XAML</a:t>
-            </a:r>
-          </a:p>
-          <a:p>
-            <a:pPr>
-              <a:lnSpc>
-                <a:spcPct val="150000"/>
-              </a:lnSpc>
-            </a:pPr>
-            <a:r>
-              <a:rPr lang="en-US" dirty="0"/>
-              <a:t>Universal Windows Platform (UWP)</a:t>
-            </a:r>
-          </a:p>
-          <a:p>
-            <a:pPr>
-              <a:lnSpc>
-                <a:spcPct val="150000"/>
-              </a:lnSpc>
-            </a:pPr>
-            <a:r>
-              <a:rPr lang="en-US" dirty="0" err="1"/>
-              <a:t>Xamarin.Forms</a:t>
-            </a:r>
-            <a:endParaRPr lang="en-US" dirty="0"/>
-          </a:p>
-          <a:p>
-            <a:pPr>
-              <a:lnSpc>
-                <a:spcPct val="150000"/>
-              </a:lnSpc>
-            </a:pPr>
-            <a:r>
-              <a:rPr lang="en-US" dirty="0"/>
-              <a:t>MVVM</a:t>
-            </a:r>
-          </a:p>
-          <a:p>
-            <a:pPr>
-              <a:lnSpc>
-                <a:spcPct val="150000"/>
-              </a:lnSpc>
-            </a:pPr>
-            <a:r>
-              <a:rPr lang="en-US" dirty="0"/>
-              <a:t>(</a:t>
-            </a:r>
-            <a:r>
-              <a:rPr lang="en-US" dirty="0" err="1"/>
-              <a:t>Blazor</a:t>
-            </a:r>
-            <a:r>
-              <a:rPr lang="en-US" dirty="0"/>
-              <a:t>)</a:t>
-            </a:r>
-          </a:p>
-        </p:txBody>
-      </p:sp>
-    </p:spTree>
-    <p:extLst>
-      <p:ext uri="{BB962C8B-B14F-4D97-AF65-F5344CB8AC3E}">
-        <p14:creationId xmlns:p14="http://schemas.microsoft.com/office/powerpoint/2010/main" val="3200594698"/>
-      </p:ext>
-    </p:extLst>
-  </p:cSld>
-  <p:clrMapOvr>
-    <a:masterClrMapping/>
-  </p:clrMapOvr>
-  <p:transition>
-    <p:fade/>
-  </p:transition>
-</p:sld>
-</file>
-
-<file path=ppt/slides/slide20.xml><?xml version="1.0" encoding="utf-8"?>
-<p:sld xmlns:a="http://schemas.openxmlformats.org/drawingml/2006/main" xmlns:r="http://schemas.openxmlformats.org/officeDocument/2006/relationships" xmlns:p="http://schemas.openxmlformats.org/presentationml/2006/main">
-  <p:cSld>
-    <p:spTree>
-      <p:nvGrpSpPr>
-        <p:cNvPr id="1" name=""/>
-        <p:cNvGrpSpPr/>
-        <p:nvPr/>
-      </p:nvGrpSpPr>
-      <p:grpSpPr>
-        <a:xfrm>
-          <a:off x="0" y="0"/>
-          <a:ext cx="0" cy="0"/>
-          <a:chOff x="0" y="0"/>
-          <a:chExt cx="0" cy="0"/>
-        </a:xfrm>
-      </p:grpSpPr>
-      <p:sp>
-        <p:nvSpPr>
-          <p:cNvPr id="4" name="Title 3">
-            <a:extLst>
-              <a:ext uri="{FF2B5EF4-FFF2-40B4-BE49-F238E27FC236}">
-                <a16:creationId xmlns:a16="http://schemas.microsoft.com/office/drawing/2014/main" id="{014FF682-D1E6-4B65-BE29-5F375BE7B843}"/>
-              </a:ext>
-            </a:extLst>
-          </p:cNvPr>
-          <p:cNvSpPr>
-            <a:spLocks noGrp="1"/>
-          </p:cNvSpPr>
-          <p:nvPr>
-            <p:ph type="title"/>
-          </p:nvPr>
-        </p:nvSpPr>
-        <p:spPr/>
-        <p:txBody>
-          <a:bodyPr/>
-          <a:lstStyle/>
-          <a:p>
-            <a:r>
-              <a:rPr lang="da-DK" dirty="0"/>
-              <a:t>Blazor</a:t>
-            </a:r>
-            <a:endParaRPr lang="LID4096" dirty="0"/>
-          </a:p>
-        </p:txBody>
-      </p:sp>
-    </p:spTree>
-    <p:extLst>
-      <p:ext uri="{BB962C8B-B14F-4D97-AF65-F5344CB8AC3E}">
-        <p14:creationId xmlns:p14="http://schemas.microsoft.com/office/powerpoint/2010/main" val="2058791771"/>
-      </p:ext>
-    </p:extLst>
-  </p:cSld>
-  <p:clrMapOvr>
-    <a:masterClrMapping/>
-  </p:clrMapOvr>
-  <mc:AlternateContent xmlns:mc="http://schemas.openxmlformats.org/markup-compatibility/2006" xmlns:p14="http://schemas.microsoft.com/office/powerpoint/2010/main">
-    <mc:Choice Requires="p14">
-      <p:transition spd="med" p14:dur="700">
-        <p:fade/>
-      </p:transition>
-    </mc:Choice>
-    <mc:Fallback xmlns="">
-      <p:transition spd="med">
-        <p:fade/>
-      </p:transition>
-    </mc:Fallback>
-  </mc:AlternateContent>
 </p:sld>
 </file>
 
@@ -26623,6 +27104,14 @@
 </file>
 
 <file path=customXml/item1.xml><?xml version="1.0" encoding="utf-8"?>
+<p:properties xmlns:p="http://schemas.microsoft.com/office/2006/metadata/properties" xmlns:xsi="http://www.w3.org/2001/XMLSchema-instance" xmlns:pc="http://schemas.microsoft.com/office/infopath/2007/PartnerControls">
+  <documentManagement>
+    <MediaServiceKeyPoints xmlns="965de625-df5b-42e9-a277-2113da4f1195" xsi:nil="true"/>
+  </documentManagement>
+</p:properties>
+</file>
+
+<file path=customXml/item2.xml><?xml version="1.0" encoding="utf-8"?>
 <ct:contentTypeSchema xmlns:ct="http://schemas.microsoft.com/office/2006/metadata/contentType" xmlns:ma="http://schemas.microsoft.com/office/2006/metadata/properties/metaAttributes" ct:_="" ma:_="" ma:contentTypeName="Document" ma:contentTypeID="0x010100BD9FAF4CD5AD2F4B99B5B2414089ABF7" ma:contentTypeVersion="14" ma:contentTypeDescription="Create a new document." ma:contentTypeScope="" ma:versionID="15419eb272c8997d22174cab72b81ac5">
   <xsd:schema xmlns:xsd="http://www.w3.org/2001/XMLSchema" xmlns:xs="http://www.w3.org/2001/XMLSchema" xmlns:p="http://schemas.microsoft.com/office/2006/metadata/properties" xmlns:ns2="dcf5ddc1-fb1d-440f-849a-6450bddbaed7" xmlns:ns3="965de625-df5b-42e9-a277-2113da4f1195" targetNamespace="http://schemas.microsoft.com/office/2006/metadata/properties" ma:root="true" ma:fieldsID="366f960d0717a06e650b8dd07cd5f805" ns2:_="" ns3:_="">
     <xsd:import namespace="dcf5ddc1-fb1d-440f-849a-6450bddbaed7"/>
@@ -26853,14 +27342,6 @@
 </ct:contentTypeSchema>
 </file>
 
-<file path=customXml/item2.xml><?xml version="1.0" encoding="utf-8"?>
-<p:properties xmlns:p="http://schemas.microsoft.com/office/2006/metadata/properties" xmlns:xsi="http://www.w3.org/2001/XMLSchema-instance" xmlns:pc="http://schemas.microsoft.com/office/infopath/2007/PartnerControls">
-  <documentManagement>
-    <MediaServiceKeyPoints xmlns="965de625-df5b-42e9-a277-2113da4f1195" xsi:nil="true"/>
-  </documentManagement>
-</p:properties>
-</file>
-
 <file path=customXml/item3.xml><?xml version="1.0" encoding="utf-8"?>
 <?mso-contentType ?>
 <FormTemplates xmlns="http://schemas.microsoft.com/sharepoint/v3/contenttype/forms">
@@ -26871,6 +27352,25 @@
 </file>
 
 <file path=customXml/itemProps1.xml><?xml version="1.0" encoding="utf-8"?>
+<ds:datastoreItem xmlns:ds="http://schemas.openxmlformats.org/officeDocument/2006/customXml" ds:itemID="{F990F116-B58F-4255-B05B-DA3808E0E5C6}">
+  <ds:schemaRefs>
+    <ds:schemaRef ds:uri="http://purl.org/dc/elements/1.1/"/>
+    <ds:schemaRef ds:uri="http://schemas.microsoft.com/office/2006/metadata/properties"/>
+    <ds:schemaRef ds:uri="e4aa919a-b200-49cb-beca-4c7e0810321e"/>
+    <ds:schemaRef ds:uri="06670dda-0291-4061-b6e0-f6c0cb392c51"/>
+    <ds:schemaRef ds:uri="http://schemas.microsoft.com/office/2006/documentManagement/types"/>
+    <ds:schemaRef ds:uri="http://schemas.microsoft.com/office/infopath/2007/PartnerControls"/>
+    <ds:schemaRef ds:uri="http://purl.org/dc/dcmitype/"/>
+    <ds:schemaRef ds:uri="http://schemas.microsoft.com/sharepoint/v3"/>
+    <ds:schemaRef ds:uri="http://schemas.openxmlformats.org/package/2006/metadata/core-properties"/>
+    <ds:schemaRef ds:uri="http://www.w3.org/XML/1998/namespace"/>
+    <ds:schemaRef ds:uri="http://purl.org/dc/terms/"/>
+    <ds:schemaRef ds:uri="965de625-df5b-42e9-a277-2113da4f1195"/>
+  </ds:schemaRefs>
+</ds:datastoreItem>
+</file>
+
+<file path=customXml/itemProps2.xml><?xml version="1.0" encoding="utf-8"?>
 <ds:datastoreItem xmlns:ds="http://schemas.openxmlformats.org/officeDocument/2006/customXml" ds:itemID="{B28DDFE8-80D6-4A60-B5D6-41E509D3A2B4}">
   <ds:schemaRefs>
     <ds:schemaRef ds:uri="http://schemas.microsoft.com/office/2006/metadata/contentType"/>
@@ -26889,25 +27389,6 @@
 </ds:datastoreItem>
 </file>
 
-<file path=customXml/itemProps2.xml><?xml version="1.0" encoding="utf-8"?>
-<ds:datastoreItem xmlns:ds="http://schemas.openxmlformats.org/officeDocument/2006/customXml" ds:itemID="{F990F116-B58F-4255-B05B-DA3808E0E5C6}">
-  <ds:schemaRefs>
-    <ds:schemaRef ds:uri="http://purl.org/dc/elements/1.1/"/>
-    <ds:schemaRef ds:uri="http://schemas.microsoft.com/office/2006/metadata/properties"/>
-    <ds:schemaRef ds:uri="e4aa919a-b200-49cb-beca-4c7e0810321e"/>
-    <ds:schemaRef ds:uri="06670dda-0291-4061-b6e0-f6c0cb392c51"/>
-    <ds:schemaRef ds:uri="http://schemas.microsoft.com/office/2006/documentManagement/types"/>
-    <ds:schemaRef ds:uri="http://schemas.microsoft.com/office/infopath/2007/PartnerControls"/>
-    <ds:schemaRef ds:uri="http://purl.org/dc/dcmitype/"/>
-    <ds:schemaRef ds:uri="http://schemas.microsoft.com/sharepoint/v3"/>
-    <ds:schemaRef ds:uri="http://schemas.openxmlformats.org/package/2006/metadata/core-properties"/>
-    <ds:schemaRef ds:uri="http://www.w3.org/XML/1998/namespace"/>
-    <ds:schemaRef ds:uri="http://purl.org/dc/terms/"/>
-    <ds:schemaRef ds:uri="965de625-df5b-42e9-a277-2113da4f1195"/>
-  </ds:schemaRefs>
-</ds:datastoreItem>
-</file>
-
 <file path=customXml/itemProps3.xml><?xml version="1.0" encoding="utf-8"?>
 <ds:datastoreItem xmlns:ds="http://schemas.openxmlformats.org/officeDocument/2006/customXml" ds:itemID="{758FDAC0-319D-4A54-8D8E-1D42CB1F8004}">
   <ds:schemaRefs>

--- a/Slides/Lecture10 - Apps and XAML, UWP and Xamarin.Forms.pptx
+++ b/Slides/Lecture10 - Apps and XAML, UWP and Xamarin.Forms.pptx
@@ -296,7 +296,7 @@
               <a:rPr lang="en-US" smtClean="0">
                 <a:latin typeface="Segoe UI" pitchFamily="34" charset="0"/>
               </a:rPr>
-              <a:t>11/22/2019 8:08 AM</a:t>
+              <a:t>11/22/2019 10:01 AM</a:t>
             </a:fld>
             <a:endParaRPr lang="en-US" dirty="0">
               <a:latin typeface="Segoe UI" pitchFamily="34" charset="0"/>
@@ -574,7 +574,7 @@
           <a:p>
             <a:fld id="{386CE63F-9E7F-4C04-9D0D-FCA25A8E9E86}" type="datetime8">
               <a:rPr lang="en-US" smtClean="0"/>
-              <a:t>11/22/2019 8:08 AM</a:t>
+              <a:t>11/22/2019 10:00 AM</a:t>
             </a:fld>
             <a:endParaRPr lang="en-US" dirty="0"/>
           </a:p>
@@ -941,7 +941,7 @@
           <a:p>
             <a:fld id="{321E5A7B-BB8D-4368-A182-109669521632}" type="datetime8">
               <a:rPr lang="en-US" smtClean="0"/>
-              <a:t>11/22/2019 8:08 AM</a:t>
+              <a:t>11/22/2019 10:00 AM</a:t>
             </a:fld>
             <a:endParaRPr lang="en-US" dirty="0"/>
           </a:p>
@@ -21536,7 +21536,7 @@
                             </p:stCondLst>
                             <p:childTnLst>
                               <p:par>
-                                <p:cTn id="5" presetID="16" presetClass="entr" presetSubtype="21" fill="hold" nodeType="clickEffect">
+                                <p:cTn id="5" presetID="2" presetClass="entr" presetSubtype="4" fill="hold" nodeType="clickEffect">
                                   <p:stCondLst>
                                     <p:cond delay="0"/>
                                   </p:stCondLst>
@@ -21559,14 +21559,52 @@
                                         <p:strVal val="visible"/>
                                       </p:to>
                                     </p:set>
-                                    <p:animEffect transition="in" filter="barn(inVertical)">
-                                      <p:cBhvr>
-                                        <p:cTn id="7" dur="500"/>
+                                    <p:anim calcmode="lin" valueType="num">
+                                      <p:cBhvr additive="base">
+                                        <p:cTn id="7" dur="500" fill="hold"/>
                                         <p:tgtEl>
                                           <p:spTgt spid="7"/>
                                         </p:tgtEl>
+                                        <p:attrNameLst>
+                                          <p:attrName>ppt_x</p:attrName>
+                                        </p:attrNameLst>
                                       </p:cBhvr>
-                                    </p:animEffect>
+                                      <p:tavLst>
+                                        <p:tav tm="0">
+                                          <p:val>
+                                            <p:strVal val="#ppt_x"/>
+                                          </p:val>
+                                        </p:tav>
+                                        <p:tav tm="100000">
+                                          <p:val>
+                                            <p:strVal val="#ppt_x"/>
+                                          </p:val>
+                                        </p:tav>
+                                      </p:tavLst>
+                                    </p:anim>
+                                    <p:anim calcmode="lin" valueType="num">
+                                      <p:cBhvr additive="base">
+                                        <p:cTn id="8" dur="500" fill="hold"/>
+                                        <p:tgtEl>
+                                          <p:spTgt spid="7"/>
+                                        </p:tgtEl>
+                                        <p:attrNameLst>
+                                          <p:attrName>ppt_y</p:attrName>
+                                        </p:attrNameLst>
+                                      </p:cBhvr>
+                                      <p:tavLst>
+                                        <p:tav tm="0">
+                                          <p:val>
+                                            <p:strVal val="1+#ppt_h/2"/>
+                                          </p:val>
+                                        </p:tav>
+                                        <p:tav tm="100000">
+                                          <p:val>
+                                            <p:strVal val="#ppt_y"/>
+                                          </p:val>
+                                        </p:tav>
+                                      </p:tavLst>
+                                    </p:anim>
                                   </p:childTnLst>
                                 </p:cTn>
                               </p:par>
@@ -22575,9 +22613,6 @@
             <a:endParaRPr lang="da-DK" sz="2400" i="1" dirty="0"/>
           </a:p>
           <a:p>
-            <a:endParaRPr lang="da-DK" sz="2400" i="1" dirty="0"/>
-          </a:p>
-          <a:p>
             <a:r>
               <a:rPr lang="da-DK" sz="2400" dirty="0"/>
               <a:t>If API and mobile app in same </a:t>
@@ -22601,6 +22636,17 @@
             <a:r>
               <a:rPr lang="da-DK" sz="2400" dirty="0" err="1"/>
               <a:t>projects</a:t>
+            </a:r>
+            <a:endParaRPr lang="da-DK" sz="2400" dirty="0"/>
+          </a:p>
+          <a:p>
+            <a:r>
+              <a:rPr lang="da-DK" sz="2400" dirty="0"/>
+              <a:t>Source in C:\git or </a:t>
+            </a:r>
+            <a:r>
+              <a:rPr lang="da-DK" sz="2400" dirty="0" err="1"/>
+              <a:t>similar</a:t>
             </a:r>
             <a:endParaRPr lang="da-DK" sz="2400" dirty="0"/>
           </a:p>
@@ -27104,14 +27150,6 @@
 </file>
 
 <file path=customXml/item1.xml><?xml version="1.0" encoding="utf-8"?>
-<p:properties xmlns:p="http://schemas.microsoft.com/office/2006/metadata/properties" xmlns:xsi="http://www.w3.org/2001/XMLSchema-instance" xmlns:pc="http://schemas.microsoft.com/office/infopath/2007/PartnerControls">
-  <documentManagement>
-    <MediaServiceKeyPoints xmlns="965de625-df5b-42e9-a277-2113da4f1195" xsi:nil="true"/>
-  </documentManagement>
-</p:properties>
-</file>
-
-<file path=customXml/item2.xml><?xml version="1.0" encoding="utf-8"?>
 <ct:contentTypeSchema xmlns:ct="http://schemas.microsoft.com/office/2006/metadata/contentType" xmlns:ma="http://schemas.microsoft.com/office/2006/metadata/properties/metaAttributes" ct:_="" ma:_="" ma:contentTypeName="Document" ma:contentTypeID="0x010100BD9FAF4CD5AD2F4B99B5B2414089ABF7" ma:contentTypeVersion="14" ma:contentTypeDescription="Create a new document." ma:contentTypeScope="" ma:versionID="15419eb272c8997d22174cab72b81ac5">
   <xsd:schema xmlns:xsd="http://www.w3.org/2001/XMLSchema" xmlns:xs="http://www.w3.org/2001/XMLSchema" xmlns:p="http://schemas.microsoft.com/office/2006/metadata/properties" xmlns:ns2="dcf5ddc1-fb1d-440f-849a-6450bddbaed7" xmlns:ns3="965de625-df5b-42e9-a277-2113da4f1195" targetNamespace="http://schemas.microsoft.com/office/2006/metadata/properties" ma:root="true" ma:fieldsID="366f960d0717a06e650b8dd07cd5f805" ns2:_="" ns3:_="">
     <xsd:import namespace="dcf5ddc1-fb1d-440f-849a-6450bddbaed7"/>
@@ -27342,6 +27380,14 @@
 </ct:contentTypeSchema>
 </file>
 
+<file path=customXml/item2.xml><?xml version="1.0" encoding="utf-8"?>
+<p:properties xmlns:p="http://schemas.microsoft.com/office/2006/metadata/properties" xmlns:xsi="http://www.w3.org/2001/XMLSchema-instance" xmlns:pc="http://schemas.microsoft.com/office/infopath/2007/PartnerControls">
+  <documentManagement>
+    <MediaServiceKeyPoints xmlns="965de625-df5b-42e9-a277-2113da4f1195" xsi:nil="true"/>
+  </documentManagement>
+</p:properties>
+</file>
+
 <file path=customXml/item3.xml><?xml version="1.0" encoding="utf-8"?>
 <?mso-contentType ?>
 <FormTemplates xmlns="http://schemas.microsoft.com/sharepoint/v3/contenttype/forms">
@@ -27352,6 +27398,25 @@
 </file>
 
 <file path=customXml/itemProps1.xml><?xml version="1.0" encoding="utf-8"?>
+<ds:datastoreItem xmlns:ds="http://schemas.openxmlformats.org/officeDocument/2006/customXml" ds:itemID="{B28DDFE8-80D6-4A60-B5D6-41E509D3A2B4}">
+  <ds:schemaRefs>
+    <ds:schemaRef ds:uri="http://schemas.microsoft.com/office/2006/metadata/contentType"/>
+    <ds:schemaRef ds:uri="http://schemas.microsoft.com/office/2006/metadata/properties/metaAttributes"/>
+    <ds:schemaRef ds:uri="http://www.w3.org/2001/XMLSchema"/>
+    <ds:schemaRef ds:uri="http://schemas.microsoft.com/office/2006/metadata/properties"/>
+    <ds:schemaRef ds:uri="dcf5ddc1-fb1d-440f-849a-6450bddbaed7"/>
+    <ds:schemaRef ds:uri="965de625-df5b-42e9-a277-2113da4f1195"/>
+    <ds:schemaRef ds:uri="http://schemas.microsoft.com/office/2006/documentManagement/types"/>
+    <ds:schemaRef ds:uri="http://schemas.microsoft.com/office/infopath/2007/PartnerControls"/>
+    <ds:schemaRef ds:uri="http://schemas.openxmlformats.org/package/2006/metadata/core-properties"/>
+    <ds:schemaRef ds:uri="http://purl.org/dc/elements/1.1/"/>
+    <ds:schemaRef ds:uri="http://purl.org/dc/terms/"/>
+    <ds:schemaRef ds:uri="http://schemas.microsoft.com/internal/obd"/>
+  </ds:schemaRefs>
+</ds:datastoreItem>
+</file>
+
+<file path=customXml/itemProps2.xml><?xml version="1.0" encoding="utf-8"?>
 <ds:datastoreItem xmlns:ds="http://schemas.openxmlformats.org/officeDocument/2006/customXml" ds:itemID="{F990F116-B58F-4255-B05B-DA3808E0E5C6}">
   <ds:schemaRefs>
     <ds:schemaRef ds:uri="http://purl.org/dc/elements/1.1/"/>
@@ -27370,25 +27435,6 @@
 </ds:datastoreItem>
 </file>
 
-<file path=customXml/itemProps2.xml><?xml version="1.0" encoding="utf-8"?>
-<ds:datastoreItem xmlns:ds="http://schemas.openxmlformats.org/officeDocument/2006/customXml" ds:itemID="{B28DDFE8-80D6-4A60-B5D6-41E509D3A2B4}">
-  <ds:schemaRefs>
-    <ds:schemaRef ds:uri="http://schemas.microsoft.com/office/2006/metadata/contentType"/>
-    <ds:schemaRef ds:uri="http://schemas.microsoft.com/office/2006/metadata/properties/metaAttributes"/>
-    <ds:schemaRef ds:uri="http://www.w3.org/2001/XMLSchema"/>
-    <ds:schemaRef ds:uri="http://schemas.microsoft.com/office/2006/metadata/properties"/>
-    <ds:schemaRef ds:uri="dcf5ddc1-fb1d-440f-849a-6450bddbaed7"/>
-    <ds:schemaRef ds:uri="965de625-df5b-42e9-a277-2113da4f1195"/>
-    <ds:schemaRef ds:uri="http://schemas.microsoft.com/office/2006/documentManagement/types"/>
-    <ds:schemaRef ds:uri="http://schemas.microsoft.com/office/infopath/2007/PartnerControls"/>
-    <ds:schemaRef ds:uri="http://schemas.openxmlformats.org/package/2006/metadata/core-properties"/>
-    <ds:schemaRef ds:uri="http://purl.org/dc/elements/1.1/"/>
-    <ds:schemaRef ds:uri="http://purl.org/dc/terms/"/>
-    <ds:schemaRef ds:uri="http://schemas.microsoft.com/internal/obd"/>
-  </ds:schemaRefs>
-</ds:datastoreItem>
-</file>
-
 <file path=customXml/itemProps3.xml><?xml version="1.0" encoding="utf-8"?>
 <ds:datastoreItem xmlns:ds="http://schemas.openxmlformats.org/officeDocument/2006/customXml" ds:itemID="{758FDAC0-319D-4A54-8D8E-1D42CB1F8004}">
   <ds:schemaRefs>

--- a/Slides/Lecture10 - Apps and XAML, UWP and Xamarin.Forms.pptx
+++ b/Slides/Lecture10 - Apps and XAML, UWP and Xamarin.Forms.pptx
@@ -296,7 +296,7 @@
               <a:rPr lang="en-US" smtClean="0">
                 <a:latin typeface="Segoe UI" pitchFamily="34" charset="0"/>
               </a:rPr>
-              <a:t>11/22/2019 10:01 AM</a:t>
+              <a:t>11/22/2019 1:43 PM</a:t>
             </a:fld>
             <a:endParaRPr lang="en-US" dirty="0">
               <a:latin typeface="Segoe UI" pitchFamily="34" charset="0"/>
@@ -574,7 +574,7 @@
           <a:p>
             <a:fld id="{386CE63F-9E7F-4C04-9D0D-FCA25A8E9E86}" type="datetime8">
               <a:rPr lang="en-US" smtClean="0"/>
-              <a:t>11/22/2019 10:00 AM</a:t>
+              <a:t>11/22/2019 1:42 PM</a:t>
             </a:fld>
             <a:endParaRPr lang="en-US" dirty="0"/>
           </a:p>
@@ -941,7 +941,7 @@
           <a:p>
             <a:fld id="{321E5A7B-BB8D-4368-A182-109669521632}" type="datetime8">
               <a:rPr lang="en-US" smtClean="0"/>
-              <a:t>11/22/2019 10:00 AM</a:t>
+              <a:t>11/22/2019 1:42 PM</a:t>
             </a:fld>
             <a:endParaRPr lang="en-US" dirty="0"/>
           </a:p>
@@ -22567,308 +22567,343 @@
         <p:spPr>
           <a:xfrm>
             <a:off x="586390" y="1434370"/>
-            <a:ext cx="11018520" cy="4875181"/>
+            <a:ext cx="11018520" cy="4776692"/>
           </a:xfrm>
         </p:spPr>
         <p:txBody>
           <a:bodyPr/>
           <a:lstStyle/>
           <a:p>
-            <a:r>
-              <a:rPr lang="da-DK" sz="2400" dirty="0"/>
+            <a:pPr marL="342900" indent="-342900">
+              <a:buFont typeface="Arial" panose="020B0604020202020204" pitchFamily="34" charset="0"/>
+              <a:buChar char="•"/>
+            </a:pPr>
+            <a:r>
+              <a:rPr lang="da-DK" dirty="0"/>
               <a:t>Mobile app must </a:t>
             </a:r>
             <a:r>
-              <a:rPr lang="da-DK" sz="2400" dirty="0" err="1"/>
+              <a:rPr lang="da-DK" dirty="0" err="1"/>
               <a:t>be</a:t>
             </a:r>
             <a:r>
-              <a:rPr lang="da-DK" sz="2400" dirty="0"/>
+              <a:rPr lang="da-DK" dirty="0"/>
               <a:t> set to </a:t>
             </a:r>
             <a:r>
-              <a:rPr lang="da-DK" sz="2400" i="1" dirty="0" err="1"/>
+              <a:rPr lang="da-DK" i="1" dirty="0" err="1"/>
               <a:t>Build</a:t>
             </a:r>
             <a:r>
-              <a:rPr lang="da-DK" sz="2400" dirty="0"/>
+              <a:rPr lang="da-DK" dirty="0"/>
               <a:t> and </a:t>
             </a:r>
             <a:r>
-              <a:rPr lang="da-DK" sz="2400" i="1" dirty="0" err="1"/>
+              <a:rPr lang="da-DK" i="1" dirty="0" err="1"/>
               <a:t>Deploy</a:t>
             </a:r>
             <a:r>
-              <a:rPr lang="da-DK" sz="2400" dirty="0"/>
+              <a:rPr lang="da-DK" dirty="0"/>
               <a:t> in </a:t>
             </a:r>
             <a:r>
-              <a:rPr lang="da-DK" sz="2400" i="1" dirty="0"/>
+              <a:rPr lang="da-DK" i="1" dirty="0"/>
               <a:t>solution </a:t>
             </a:r>
             <a:r>
-              <a:rPr lang="da-DK" sz="2400" i="1" dirty="0" err="1"/>
+              <a:rPr lang="da-DK" i="1" dirty="0" err="1"/>
               <a:t>configuration</a:t>
             </a:r>
-            <a:endParaRPr lang="da-DK" sz="2400" i="1" dirty="0"/>
-          </a:p>
-          <a:p>
-            <a:r>
-              <a:rPr lang="da-DK" sz="2400" dirty="0"/>
+            <a:endParaRPr lang="da-DK" i="1" dirty="0"/>
+          </a:p>
+          <a:p>
+            <a:pPr marL="342900" indent="-342900">
+              <a:buFont typeface="Arial" panose="020B0604020202020204" pitchFamily="34" charset="0"/>
+              <a:buChar char="•"/>
+            </a:pPr>
+            <a:r>
+              <a:rPr lang="da-DK" dirty="0"/>
               <a:t>If API and mobile app in same </a:t>
             </a:r>
             <a:r>
-              <a:rPr lang="da-DK" sz="2400" dirty="0" err="1"/>
+              <a:rPr lang="da-DK" dirty="0" err="1"/>
               <a:t>project</a:t>
             </a:r>
             <a:r>
-              <a:rPr lang="da-DK" sz="2400" dirty="0"/>
+              <a:rPr lang="da-DK" dirty="0"/>
               <a:t>: </a:t>
             </a:r>
             <a:r>
-              <a:rPr lang="da-DK" sz="2400" dirty="0" err="1"/>
+              <a:rPr lang="da-DK" dirty="0" err="1"/>
               <a:t>Use</a:t>
             </a:r>
             <a:r>
-              <a:rPr lang="da-DK" sz="2400" dirty="0"/>
+              <a:rPr lang="da-DK" dirty="0"/>
               <a:t> multiple startup </a:t>
             </a:r>
             <a:r>
-              <a:rPr lang="da-DK" sz="2400" dirty="0" err="1"/>
+              <a:rPr lang="da-DK" dirty="0" err="1"/>
               <a:t>projects</a:t>
             </a:r>
-            <a:endParaRPr lang="da-DK" sz="2400" dirty="0"/>
-          </a:p>
-          <a:p>
-            <a:r>
-              <a:rPr lang="da-DK" sz="2400" dirty="0"/>
+            <a:endParaRPr lang="da-DK" dirty="0"/>
+          </a:p>
+          <a:p>
+            <a:pPr marL="342900" indent="-342900">
+              <a:buFont typeface="Arial" panose="020B0604020202020204" pitchFamily="34" charset="0"/>
+              <a:buChar char="•"/>
+            </a:pPr>
+            <a:r>
+              <a:rPr lang="da-DK" dirty="0"/>
               <a:t>Source in C:\git or </a:t>
             </a:r>
             <a:r>
-              <a:rPr lang="da-DK" sz="2400" dirty="0" err="1"/>
+              <a:rPr lang="da-DK" dirty="0" err="1"/>
               <a:t>similar</a:t>
             </a:r>
-            <a:endParaRPr lang="da-DK" sz="2400" dirty="0"/>
-          </a:p>
-          <a:p>
-            <a:endParaRPr lang="da-DK" sz="2400" dirty="0"/>
-          </a:p>
-          <a:p>
-            <a:r>
-              <a:rPr lang="da-DK" sz="2400" dirty="0"/>
+            <a:endParaRPr lang="da-DK" dirty="0"/>
+          </a:p>
+          <a:p>
+            <a:pPr marL="342900" indent="-342900">
+              <a:buFont typeface="Arial" panose="020B0604020202020204" pitchFamily="34" charset="0"/>
+              <a:buChar char="•"/>
+            </a:pPr>
+            <a:r>
+              <a:rPr lang="da-DK" dirty="0"/>
               <a:t>HTTPS not </a:t>
             </a:r>
             <a:r>
-              <a:rPr lang="da-DK" sz="2400" dirty="0" err="1"/>
+              <a:rPr lang="da-DK" dirty="0" err="1"/>
               <a:t>possible</a:t>
             </a:r>
             <a:r>
-              <a:rPr lang="da-DK" sz="2400" dirty="0"/>
+              <a:rPr lang="da-DK" dirty="0"/>
               <a:t> for </a:t>
             </a:r>
             <a:r>
-              <a:rPr lang="da-DK" sz="2400" i="1" dirty="0" err="1"/>
+              <a:rPr lang="da-DK" i="1" dirty="0" err="1"/>
               <a:t>localhost</a:t>
             </a:r>
             <a:r>
-              <a:rPr lang="da-DK" sz="2400" dirty="0"/>
+              <a:rPr lang="da-DK" dirty="0"/>
               <a:t>:</a:t>
             </a:r>
           </a:p>
           <a:p>
-            <a:r>
-              <a:rPr lang="da-DK" sz="2400" dirty="0"/>
+            <a:pPr marL="571500" lvl="1" indent="-342900">
+              <a:buFont typeface="Arial" panose="020B0604020202020204" pitchFamily="34" charset="0"/>
+              <a:buChar char="•"/>
+            </a:pPr>
+            <a:r>
+              <a:rPr lang="da-DK" sz="1600" dirty="0"/>
               <a:t>Manifest: </a:t>
             </a:r>
             <a:r>
-              <a:rPr lang="da-DK" sz="1800" dirty="0">
+              <a:rPr lang="da-DK" sz="1600" dirty="0">
                 <a:latin typeface="Consolas" panose="020B0609020204030204" pitchFamily="49" charset="0"/>
               </a:rPr>
               <a:t>&lt;</a:t>
             </a:r>
             <a:r>
-              <a:rPr lang="da-DK" sz="1800" dirty="0" err="1">
+              <a:rPr lang="da-DK" sz="1600" dirty="0" err="1">
                 <a:latin typeface="Consolas" panose="020B0609020204030204" pitchFamily="49" charset="0"/>
               </a:rPr>
               <a:t>application</a:t>
             </a:r>
             <a:r>
-              <a:rPr lang="da-DK" sz="1800" dirty="0">
+              <a:rPr lang="da-DK" sz="1600" dirty="0">
                 <a:latin typeface="Consolas" panose="020B0609020204030204" pitchFamily="49" charset="0"/>
               </a:rPr>
               <a:t> </a:t>
             </a:r>
             <a:r>
-              <a:rPr lang="da-DK" sz="1800" dirty="0" err="1">
+              <a:rPr lang="da-DK" sz="1600" dirty="0" err="1">
                 <a:latin typeface="Consolas" panose="020B0609020204030204" pitchFamily="49" charset="0"/>
               </a:rPr>
               <a:t>android:usesCleartextTraffic</a:t>
             </a:r>
             <a:r>
-              <a:rPr lang="da-DK" sz="1800" dirty="0">
+              <a:rPr lang="da-DK" sz="1600" dirty="0">
                 <a:latin typeface="Consolas" panose="020B0609020204030204" pitchFamily="49" charset="0"/>
               </a:rPr>
               <a:t>="true"&gt;&lt;/</a:t>
             </a:r>
             <a:r>
-              <a:rPr lang="da-DK" sz="1800" dirty="0" err="1">
+              <a:rPr lang="da-DK" sz="1600" dirty="0" err="1">
                 <a:latin typeface="Consolas" panose="020B0609020204030204" pitchFamily="49" charset="0"/>
               </a:rPr>
               <a:t>application</a:t>
             </a:r>
             <a:r>
-              <a:rPr lang="da-DK" sz="1800" dirty="0">
+              <a:rPr lang="da-DK" sz="1600" dirty="0">
                 <a:latin typeface="Consolas" panose="020B0609020204030204" pitchFamily="49" charset="0"/>
               </a:rPr>
               <a:t>&gt;</a:t>
             </a:r>
           </a:p>
           <a:p>
-            <a:endParaRPr lang="da-DK" sz="2000" dirty="0"/>
-          </a:p>
-          <a:p>
-            <a:r>
-              <a:rPr lang="da-DK" sz="2400" dirty="0" err="1"/>
+            <a:pPr marL="342900" indent="-342900">
+              <a:buFont typeface="Arial" panose="020B0604020202020204" pitchFamily="34" charset="0"/>
+              <a:buChar char="•"/>
+            </a:pPr>
+            <a:r>
+              <a:rPr lang="da-DK" dirty="0" err="1"/>
               <a:t>Move</a:t>
             </a:r>
             <a:r>
-              <a:rPr lang="da-DK" sz="2000" dirty="0"/>
+              <a:rPr lang="da-DK" dirty="0"/>
               <a:t> </a:t>
             </a:r>
             <a:r>
-              <a:rPr lang="da-DK" sz="1800" dirty="0" err="1">
+              <a:rPr lang="da-DK" dirty="0" err="1">
                 <a:latin typeface="Consolas" panose="020B0609020204030204" pitchFamily="49" charset="0"/>
               </a:rPr>
               <a:t>app.UseHttpsRedirection</a:t>
             </a:r>
             <a:r>
-              <a:rPr lang="da-DK" sz="1800" dirty="0">
+              <a:rPr lang="da-DK" dirty="0">
                 <a:latin typeface="Consolas" panose="020B0609020204030204" pitchFamily="49" charset="0"/>
               </a:rPr>
               <a:t>();</a:t>
             </a:r>
             <a:r>
-              <a:rPr lang="da-DK" sz="2000" dirty="0"/>
+              <a:rPr lang="da-DK" dirty="0"/>
+              <a:t> to </a:t>
+            </a:r>
+            <a:r>
+              <a:rPr lang="da-DK" i="1" dirty="0" err="1"/>
+              <a:t>prod</a:t>
+            </a:r>
+            <a:r>
+              <a:rPr lang="da-DK" dirty="0"/>
+              <a:t>.</a:t>
+            </a:r>
+          </a:p>
+          <a:p>
+            <a:pPr marL="342900" indent="-342900">
+              <a:buFont typeface="Arial" panose="020B0604020202020204" pitchFamily="34" charset="0"/>
+              <a:buChar char="•"/>
+            </a:pPr>
+            <a:r>
+              <a:rPr lang="da-DK" dirty="0"/>
+              <a:t>Run Web API with </a:t>
+            </a:r>
+            <a:r>
+              <a:rPr lang="da-DK" i="1" dirty="0" err="1"/>
+              <a:t>kestrel</a:t>
+            </a:r>
+            <a:r>
+              <a:rPr lang="da-DK" dirty="0"/>
+              <a:t>.</a:t>
+            </a:r>
+          </a:p>
+          <a:p>
+            <a:pPr marL="342900" indent="-342900">
+              <a:buFont typeface="Arial" panose="020B0604020202020204" pitchFamily="34" charset="0"/>
+              <a:buChar char="•"/>
+            </a:pPr>
+            <a:r>
+              <a:rPr lang="da-DK" dirty="0" err="1"/>
+              <a:t>Don’t</a:t>
+            </a:r>
+            <a:r>
+              <a:rPr lang="da-DK" dirty="0"/>
               <a:t> </a:t>
             </a:r>
             <a:r>
-              <a:rPr lang="da-DK" sz="2400" dirty="0"/>
-              <a:t>to </a:t>
-            </a:r>
-            <a:r>
-              <a:rPr lang="da-DK" sz="2400" i="1" dirty="0" err="1"/>
-              <a:t>prod</a:t>
-            </a:r>
-            <a:r>
-              <a:rPr lang="da-DK" sz="2400" dirty="0"/>
-              <a:t>.</a:t>
-            </a:r>
-          </a:p>
-          <a:p>
-            <a:endParaRPr lang="da-DK" sz="2000" dirty="0"/>
-          </a:p>
-          <a:p>
-            <a:r>
-              <a:rPr lang="da-DK" sz="2000" dirty="0"/>
-              <a:t>Run Web API with </a:t>
-            </a:r>
-            <a:r>
-              <a:rPr lang="da-DK" sz="2000" i="1" dirty="0" err="1"/>
-              <a:t>kestrel</a:t>
-            </a:r>
-            <a:r>
-              <a:rPr lang="da-DK" sz="2000" dirty="0"/>
-              <a:t>.</a:t>
-            </a:r>
-          </a:p>
-          <a:p>
-            <a:endParaRPr lang="da-DK" sz="2000" dirty="0"/>
-          </a:p>
-          <a:p>
-            <a:r>
-              <a:rPr lang="da-DK" sz="2000" dirty="0" err="1"/>
-              <a:t>Don’t</a:t>
-            </a:r>
-            <a:r>
-              <a:rPr lang="da-DK" sz="2000" dirty="0"/>
+              <a:rPr lang="da-DK" dirty="0" err="1">
+                <a:latin typeface="Consolas" panose="020B0609020204030204" pitchFamily="49" charset="0"/>
+              </a:rPr>
+              <a:t>try</a:t>
+            </a:r>
+            <a:r>
+              <a:rPr lang="da-DK" dirty="0"/>
+              <a:t>/</a:t>
+            </a:r>
+            <a:r>
+              <a:rPr lang="da-DK" dirty="0" err="1">
+                <a:latin typeface="Consolas" panose="020B0609020204030204" pitchFamily="49" charset="0"/>
+              </a:rPr>
+              <a:t>catch</a:t>
+            </a:r>
+            <a:r>
+              <a:rPr lang="da-DK" dirty="0"/>
               <a:t> </a:t>
             </a:r>
             <a:r>
-              <a:rPr lang="da-DK" sz="1800" dirty="0" err="1">
-                <a:latin typeface="Consolas" panose="020B0609020204030204" pitchFamily="49" charset="0"/>
-              </a:rPr>
-              <a:t>try</a:t>
-            </a:r>
-            <a:r>
-              <a:rPr lang="da-DK" sz="2000" dirty="0"/>
-              <a:t>/</a:t>
-            </a:r>
-            <a:r>
-              <a:rPr lang="da-DK" sz="1800" dirty="0" err="1">
-                <a:latin typeface="Consolas" panose="020B0609020204030204" pitchFamily="49" charset="0"/>
-              </a:rPr>
-              <a:t>catch</a:t>
-            </a:r>
-            <a:r>
-              <a:rPr lang="da-DK" sz="2000" dirty="0"/>
+              <a:rPr lang="da-DK" dirty="0" err="1"/>
+              <a:t>until</a:t>
+            </a:r>
+            <a:r>
+              <a:rPr lang="da-DK" dirty="0"/>
               <a:t> </a:t>
             </a:r>
             <a:r>
-              <a:rPr lang="da-DK" sz="2000" dirty="0" err="1"/>
-              <a:t>until</a:t>
-            </a:r>
-            <a:r>
-              <a:rPr lang="da-DK" sz="2000" dirty="0"/>
+              <a:rPr lang="da-DK" dirty="0" err="1"/>
+              <a:t>you</a:t>
+            </a:r>
+            <a:r>
+              <a:rPr lang="da-DK" dirty="0"/>
               <a:t> </a:t>
             </a:r>
             <a:r>
-              <a:rPr lang="da-DK" sz="2000" dirty="0" err="1"/>
+              <a:rPr lang="da-DK" dirty="0" err="1"/>
+              <a:t>know</a:t>
+            </a:r>
+            <a:r>
+              <a:rPr lang="da-DK" dirty="0"/>
+              <a:t> </a:t>
+            </a:r>
+            <a:r>
+              <a:rPr lang="da-DK" dirty="0" err="1"/>
+              <a:t>what</a:t>
+            </a:r>
+            <a:r>
+              <a:rPr lang="da-DK" dirty="0"/>
+              <a:t> </a:t>
+            </a:r>
+            <a:r>
+              <a:rPr lang="da-DK" dirty="0" err="1"/>
+              <a:t>errors</a:t>
+            </a:r>
+            <a:r>
+              <a:rPr lang="da-DK" dirty="0"/>
+              <a:t> </a:t>
+            </a:r>
+            <a:r>
+              <a:rPr lang="da-DK" dirty="0" err="1"/>
               <a:t>you</a:t>
             </a:r>
             <a:r>
-              <a:rPr lang="da-DK" sz="2000" dirty="0"/>
+              <a:rPr lang="da-DK" dirty="0"/>
               <a:t> </a:t>
             </a:r>
             <a:r>
-              <a:rPr lang="da-DK" sz="2000" dirty="0" err="1"/>
-              <a:t>know</a:t>
-            </a:r>
-            <a:r>
-              <a:rPr lang="da-DK" sz="2000" dirty="0"/>
-              <a:t> </a:t>
-            </a:r>
-            <a:r>
-              <a:rPr lang="da-DK" sz="2000" dirty="0" err="1"/>
-              <a:t>what</a:t>
-            </a:r>
-            <a:r>
-              <a:rPr lang="da-DK" sz="2000" dirty="0"/>
-              <a:t> </a:t>
-            </a:r>
-            <a:r>
-              <a:rPr lang="da-DK" sz="2000" dirty="0" err="1"/>
-              <a:t>errors</a:t>
-            </a:r>
-            <a:r>
-              <a:rPr lang="da-DK" sz="2000" dirty="0"/>
-              <a:t> </a:t>
-            </a:r>
-            <a:r>
-              <a:rPr lang="da-DK" sz="2000" dirty="0" err="1"/>
-              <a:t>you</a:t>
-            </a:r>
-            <a:r>
-              <a:rPr lang="da-DK" sz="2000" dirty="0"/>
-              <a:t> </a:t>
-            </a:r>
-            <a:r>
-              <a:rPr lang="da-DK" sz="2000" dirty="0" err="1"/>
+              <a:rPr lang="da-DK" dirty="0" err="1"/>
               <a:t>want</a:t>
             </a:r>
             <a:r>
-              <a:rPr lang="da-DK" sz="2000" dirty="0"/>
+              <a:rPr lang="da-DK" dirty="0"/>
               <a:t> to handle!</a:t>
             </a:r>
+          </a:p>
+          <a:p>
+            <a:pPr marL="342900" indent="-342900">
+              <a:buFont typeface="Arial" panose="020B0604020202020204" pitchFamily="34" charset="0"/>
+              <a:buChar char="•"/>
+            </a:pPr>
+            <a:r>
+              <a:rPr lang="da-DK" dirty="0" err="1"/>
+              <a:t>Enable</a:t>
+            </a:r>
+            <a:r>
+              <a:rPr lang="da-DK" dirty="0"/>
+              <a:t> XAML Hot </a:t>
+            </a:r>
+            <a:r>
+              <a:rPr lang="da-DK" dirty="0" err="1"/>
+              <a:t>Reload</a:t>
+            </a:r>
+            <a:endParaRPr lang="da-DK" dirty="0"/>
           </a:p>
         </p:txBody>
       </p:sp>
@@ -27150,6 +27185,14 @@
 </file>
 
 <file path=customXml/item1.xml><?xml version="1.0" encoding="utf-8"?>
+<p:properties xmlns:p="http://schemas.microsoft.com/office/2006/metadata/properties" xmlns:xsi="http://www.w3.org/2001/XMLSchema-instance" xmlns:pc="http://schemas.microsoft.com/office/infopath/2007/PartnerControls">
+  <documentManagement>
+    <MediaServiceKeyPoints xmlns="965de625-df5b-42e9-a277-2113da4f1195" xsi:nil="true"/>
+  </documentManagement>
+</p:properties>
+</file>
+
+<file path=customXml/item2.xml><?xml version="1.0" encoding="utf-8"?>
 <ct:contentTypeSchema xmlns:ct="http://schemas.microsoft.com/office/2006/metadata/contentType" xmlns:ma="http://schemas.microsoft.com/office/2006/metadata/properties/metaAttributes" ct:_="" ma:_="" ma:contentTypeName="Document" ma:contentTypeID="0x010100BD9FAF4CD5AD2F4B99B5B2414089ABF7" ma:contentTypeVersion="14" ma:contentTypeDescription="Create a new document." ma:contentTypeScope="" ma:versionID="15419eb272c8997d22174cab72b81ac5">
   <xsd:schema xmlns:xsd="http://www.w3.org/2001/XMLSchema" xmlns:xs="http://www.w3.org/2001/XMLSchema" xmlns:p="http://schemas.microsoft.com/office/2006/metadata/properties" xmlns:ns2="dcf5ddc1-fb1d-440f-849a-6450bddbaed7" xmlns:ns3="965de625-df5b-42e9-a277-2113da4f1195" targetNamespace="http://schemas.microsoft.com/office/2006/metadata/properties" ma:root="true" ma:fieldsID="366f960d0717a06e650b8dd07cd5f805" ns2:_="" ns3:_="">
     <xsd:import namespace="dcf5ddc1-fb1d-440f-849a-6450bddbaed7"/>
@@ -27380,14 +27423,6 @@
 </ct:contentTypeSchema>
 </file>
 
-<file path=customXml/item2.xml><?xml version="1.0" encoding="utf-8"?>
-<p:properties xmlns:p="http://schemas.microsoft.com/office/2006/metadata/properties" xmlns:xsi="http://www.w3.org/2001/XMLSchema-instance" xmlns:pc="http://schemas.microsoft.com/office/infopath/2007/PartnerControls">
-  <documentManagement>
-    <MediaServiceKeyPoints xmlns="965de625-df5b-42e9-a277-2113da4f1195" xsi:nil="true"/>
-  </documentManagement>
-</p:properties>
-</file>
-
 <file path=customXml/item3.xml><?xml version="1.0" encoding="utf-8"?>
 <?mso-contentType ?>
 <FormTemplates xmlns="http://schemas.microsoft.com/sharepoint/v3/contenttype/forms">
@@ -27398,6 +27433,25 @@
 </file>
 
 <file path=customXml/itemProps1.xml><?xml version="1.0" encoding="utf-8"?>
+<ds:datastoreItem xmlns:ds="http://schemas.openxmlformats.org/officeDocument/2006/customXml" ds:itemID="{F990F116-B58F-4255-B05B-DA3808E0E5C6}">
+  <ds:schemaRefs>
+    <ds:schemaRef ds:uri="http://purl.org/dc/elements/1.1/"/>
+    <ds:schemaRef ds:uri="http://schemas.microsoft.com/office/2006/metadata/properties"/>
+    <ds:schemaRef ds:uri="e4aa919a-b200-49cb-beca-4c7e0810321e"/>
+    <ds:schemaRef ds:uri="06670dda-0291-4061-b6e0-f6c0cb392c51"/>
+    <ds:schemaRef ds:uri="http://schemas.microsoft.com/office/2006/documentManagement/types"/>
+    <ds:schemaRef ds:uri="http://schemas.microsoft.com/office/infopath/2007/PartnerControls"/>
+    <ds:schemaRef ds:uri="http://purl.org/dc/dcmitype/"/>
+    <ds:schemaRef ds:uri="http://schemas.microsoft.com/sharepoint/v3"/>
+    <ds:schemaRef ds:uri="http://schemas.openxmlformats.org/package/2006/metadata/core-properties"/>
+    <ds:schemaRef ds:uri="http://www.w3.org/XML/1998/namespace"/>
+    <ds:schemaRef ds:uri="http://purl.org/dc/terms/"/>
+    <ds:schemaRef ds:uri="965de625-df5b-42e9-a277-2113da4f1195"/>
+  </ds:schemaRefs>
+</ds:datastoreItem>
+</file>
+
+<file path=customXml/itemProps2.xml><?xml version="1.0" encoding="utf-8"?>
 <ds:datastoreItem xmlns:ds="http://schemas.openxmlformats.org/officeDocument/2006/customXml" ds:itemID="{B28DDFE8-80D6-4A60-B5D6-41E509D3A2B4}">
   <ds:schemaRefs>
     <ds:schemaRef ds:uri="http://schemas.microsoft.com/office/2006/metadata/contentType"/>
@@ -27416,25 +27470,6 @@
 </ds:datastoreItem>
 </file>
 
-<file path=customXml/itemProps2.xml><?xml version="1.0" encoding="utf-8"?>
-<ds:datastoreItem xmlns:ds="http://schemas.openxmlformats.org/officeDocument/2006/customXml" ds:itemID="{F990F116-B58F-4255-B05B-DA3808E0E5C6}">
-  <ds:schemaRefs>
-    <ds:schemaRef ds:uri="http://purl.org/dc/elements/1.1/"/>
-    <ds:schemaRef ds:uri="http://schemas.microsoft.com/office/2006/metadata/properties"/>
-    <ds:schemaRef ds:uri="e4aa919a-b200-49cb-beca-4c7e0810321e"/>
-    <ds:schemaRef ds:uri="06670dda-0291-4061-b6e0-f6c0cb392c51"/>
-    <ds:schemaRef ds:uri="http://schemas.microsoft.com/office/2006/documentManagement/types"/>
-    <ds:schemaRef ds:uri="http://schemas.microsoft.com/office/infopath/2007/PartnerControls"/>
-    <ds:schemaRef ds:uri="http://purl.org/dc/dcmitype/"/>
-    <ds:schemaRef ds:uri="http://schemas.microsoft.com/sharepoint/v3"/>
-    <ds:schemaRef ds:uri="http://schemas.openxmlformats.org/package/2006/metadata/core-properties"/>
-    <ds:schemaRef ds:uri="http://www.w3.org/XML/1998/namespace"/>
-    <ds:schemaRef ds:uri="http://purl.org/dc/terms/"/>
-    <ds:schemaRef ds:uri="965de625-df5b-42e9-a277-2113da4f1195"/>
-  </ds:schemaRefs>
-</ds:datastoreItem>
-</file>
-
 <file path=customXml/itemProps3.xml><?xml version="1.0" encoding="utf-8"?>
 <ds:datastoreItem xmlns:ds="http://schemas.openxmlformats.org/officeDocument/2006/customXml" ds:itemID="{758FDAC0-319D-4A54-8D8E-1D42CB1F8004}">
   <ds:schemaRefs>
